--- a/mini_project_ppt.pptx
+++ b/mini_project_ppt.pptx
@@ -313,7 +313,7 @@
           <a:p>
             <a:fld id="{48A87A34-81AB-432B-8DAE-1953F412C126}" type="datetimeFigureOut">
               <a:rPr lang="en-US" smtClean="0"/>
-              <a:t>7/8/2023</a:t>
+              <a:t>2/5/2025</a:t>
             </a:fld>
             <a:endParaRPr lang="en-US" dirty="0"/>
           </a:p>
@@ -589,7 +589,7 @@
             <a:fld id="{48A87A34-81AB-432B-8DAE-1953F412C126}" type="datetimeFigureOut">
               <a:rPr lang="en-US" smtClean="0"/>
               <a:pPr/>
-              <a:t>7/8/2023</a:t>
+              <a:t>2/5/2025</a:t>
             </a:fld>
             <a:endParaRPr lang="en-US" dirty="0"/>
           </a:p>
@@ -785,7 +785,7 @@
             <a:fld id="{48A87A34-81AB-432B-8DAE-1953F412C126}" type="datetimeFigureOut">
               <a:rPr lang="en-US" smtClean="0"/>
               <a:pPr/>
-              <a:t>7/8/2023</a:t>
+              <a:t>2/5/2025</a:t>
             </a:fld>
             <a:endParaRPr lang="en-US" dirty="0"/>
           </a:p>
@@ -1060,7 +1060,7 @@
             <a:fld id="{48A87A34-81AB-432B-8DAE-1953F412C126}" type="datetimeFigureOut">
               <a:rPr lang="en-US" smtClean="0"/>
               <a:pPr/>
-              <a:t>7/8/2023</a:t>
+              <a:t>2/5/2025</a:t>
             </a:fld>
             <a:endParaRPr lang="en-US" dirty="0"/>
           </a:p>
@@ -1403,7 +1403,7 @@
             <a:fld id="{48A87A34-81AB-432B-8DAE-1953F412C126}" type="datetimeFigureOut">
               <a:rPr lang="en-US" smtClean="0"/>
               <a:pPr/>
-              <a:t>7/8/2023</a:t>
+              <a:t>2/5/2025</a:t>
             </a:fld>
             <a:endParaRPr lang="en-US" dirty="0"/>
           </a:p>
@@ -2028,7 +2028,7 @@
             <a:fld id="{48A87A34-81AB-432B-8DAE-1953F412C126}" type="datetimeFigureOut">
               <a:rPr lang="en-US" smtClean="0"/>
               <a:pPr/>
-              <a:t>7/8/2023</a:t>
+              <a:t>2/5/2025</a:t>
             </a:fld>
             <a:endParaRPr lang="en-US" dirty="0"/>
           </a:p>
@@ -2890,7 +2890,7 @@
             <a:fld id="{48A87A34-81AB-432B-8DAE-1953F412C126}" type="datetimeFigureOut">
               <a:rPr lang="en-US" smtClean="0"/>
               <a:pPr/>
-              <a:t>7/8/2023</a:t>
+              <a:t>2/5/2025</a:t>
             </a:fld>
             <a:endParaRPr lang="en-US" dirty="0"/>
           </a:p>
@@ -3061,7 +3061,7 @@
           <a:p>
             <a:fld id="{48A87A34-81AB-432B-8DAE-1953F412C126}" type="datetimeFigureOut">
               <a:rPr lang="en-US" smtClean="0"/>
-              <a:t>7/8/2023</a:t>
+              <a:t>2/5/2025</a:t>
             </a:fld>
             <a:endParaRPr lang="en-US" dirty="0"/>
           </a:p>
@@ -3241,7 +3241,7 @@
           <a:p>
             <a:fld id="{48A87A34-81AB-432B-8DAE-1953F412C126}" type="datetimeFigureOut">
               <a:rPr lang="en-US" smtClean="0"/>
-              <a:t>7/8/2023</a:t>
+              <a:t>2/5/2025</a:t>
             </a:fld>
             <a:endParaRPr lang="en-US" dirty="0"/>
           </a:p>
@@ -3411,7 +3411,7 @@
           <a:p>
             <a:fld id="{48A87A34-81AB-432B-8DAE-1953F412C126}" type="datetimeFigureOut">
               <a:rPr lang="en-US" smtClean="0"/>
-              <a:t>7/8/2023</a:t>
+              <a:t>2/5/2025</a:t>
             </a:fld>
             <a:endParaRPr lang="en-US" dirty="0"/>
           </a:p>
@@ -3658,7 +3658,7 @@
           <a:p>
             <a:fld id="{48A87A34-81AB-432B-8DAE-1953F412C126}" type="datetimeFigureOut">
               <a:rPr lang="en-US" smtClean="0"/>
-              <a:t>7/8/2023</a:t>
+              <a:t>2/5/2025</a:t>
             </a:fld>
             <a:endParaRPr lang="en-US" dirty="0"/>
           </a:p>
@@ -3950,7 +3950,7 @@
           <a:p>
             <a:fld id="{48A87A34-81AB-432B-8DAE-1953F412C126}" type="datetimeFigureOut">
               <a:rPr lang="en-US" smtClean="0"/>
-              <a:t>7/8/2023</a:t>
+              <a:t>2/5/2025</a:t>
             </a:fld>
             <a:endParaRPr lang="en-US" dirty="0"/>
           </a:p>
@@ -4394,7 +4394,7 @@
           <a:p>
             <a:fld id="{48A87A34-81AB-432B-8DAE-1953F412C126}" type="datetimeFigureOut">
               <a:rPr lang="en-US" smtClean="0"/>
-              <a:t>7/8/2023</a:t>
+              <a:t>2/5/2025</a:t>
             </a:fld>
             <a:endParaRPr lang="en-US" dirty="0"/>
           </a:p>
@@ -4512,7 +4512,7 @@
           <a:p>
             <a:fld id="{48A87A34-81AB-432B-8DAE-1953F412C126}" type="datetimeFigureOut">
               <a:rPr lang="en-US" smtClean="0"/>
-              <a:t>7/8/2023</a:t>
+              <a:t>2/5/2025</a:t>
             </a:fld>
             <a:endParaRPr lang="en-US" dirty="0"/>
           </a:p>
@@ -4607,7 +4607,7 @@
           <a:p>
             <a:fld id="{48A87A34-81AB-432B-8DAE-1953F412C126}" type="datetimeFigureOut">
               <a:rPr lang="en-US" smtClean="0"/>
-              <a:t>7/8/2023</a:t>
+              <a:t>2/5/2025</a:t>
             </a:fld>
             <a:endParaRPr lang="en-US" dirty="0"/>
           </a:p>
@@ -4886,7 +4886,7 @@
           <a:p>
             <a:fld id="{48A87A34-81AB-432B-8DAE-1953F412C126}" type="datetimeFigureOut">
               <a:rPr lang="en-US" smtClean="0"/>
-              <a:t>7/8/2023</a:t>
+              <a:t>2/5/2025</a:t>
             </a:fld>
             <a:endParaRPr lang="en-US" dirty="0"/>
           </a:p>
@@ -5161,7 +5161,7 @@
           <a:p>
             <a:fld id="{48A87A34-81AB-432B-8DAE-1953F412C126}" type="datetimeFigureOut">
               <a:rPr lang="en-US" smtClean="0"/>
-              <a:t>7/8/2023</a:t>
+              <a:t>2/5/2025</a:t>
             </a:fld>
             <a:endParaRPr lang="en-US" dirty="0"/>
           </a:p>
@@ -5591,7 +5591,7 @@
             <a:fld id="{48A87A34-81AB-432B-8DAE-1953F412C126}" type="datetimeFigureOut">
               <a:rPr lang="en-US" smtClean="0"/>
               <a:pPr/>
-              <a:t>7/8/2023</a:t>
+              <a:t>2/5/2025</a:t>
             </a:fld>
             <a:endParaRPr lang="en-US" dirty="0"/>
           </a:p>
@@ -6368,7 +6368,7 @@
               <a:t>                           Project associates:   </a:t>
             </a:r>
             <a:r>
-              <a:rPr lang="en-IN" sz="1600" b="1" dirty="0" err="1">
+              <a:rPr lang="en-IN" sz="1600" b="1">
                 <a:solidFill>
                   <a:schemeClr val="tx1">
                     <a:lumMod val="95000"/>
@@ -6377,20 +6377,17 @@
                 <a:latin typeface="Times New Roman" panose="02020603050405020304" pitchFamily="18" charset="0"/>
                 <a:cs typeface="Times New Roman" panose="02020603050405020304" pitchFamily="18" charset="0"/>
               </a:rPr>
-              <a:t>padma</a:t>
-            </a:r>
-            <a:r>
-              <a:rPr lang="en-IN" sz="1600" b="1" dirty="0">
-                <a:solidFill>
-                  <a:schemeClr val="tx1">
-                    <a:lumMod val="95000"/>
-                  </a:schemeClr>
-                </a:solidFill>
-                <a:latin typeface="Times New Roman" panose="02020603050405020304" pitchFamily="18" charset="0"/>
-                <a:cs typeface="Times New Roman" panose="02020603050405020304" pitchFamily="18" charset="0"/>
-              </a:rPr>
-              <a:t> c g (1si20cs070)</a:t>
-            </a:r>
+              <a:t>L Maruthi Kiran (1si20cs052)</a:t>
+            </a:r>
+            <a:endParaRPr lang="en-IN" sz="1600" b="1" dirty="0">
+              <a:solidFill>
+                <a:schemeClr val="tx1">
+                  <a:lumMod val="95000"/>
+                </a:schemeClr>
+              </a:solidFill>
+              <a:latin typeface="Times New Roman" panose="02020603050405020304" pitchFamily="18" charset="0"/>
+              <a:cs typeface="Times New Roman" panose="02020603050405020304" pitchFamily="18" charset="0"/>
+            </a:endParaRPr>
           </a:p>
           <a:p>
             <a:pPr>
@@ -10685,4 +10682,10 @@
     </a:ext>
   </a:extLst>
 </a:theme>
+</file>
+
+<file path=docMetadata/LabelInfo.xml><?xml version="1.0" encoding="utf-8"?>
+<clbl:labelList xmlns:clbl="http://schemas.microsoft.com/office/2020/mipLabelMetadata">
+  <clbl:label id="{7dad35ff-5661-49ee-bfa3-f9cf26583e3c}" enabled="1" method="Privileged" siteId="{1cb57d25-6f25-4e2a-9e2d-895176ed40c6}" contentBits="0" removed="0"/>
+</clbl:labelList>
 </file>